--- a/DOCS/terminalapp_presentation.pptx
+++ b/DOCS/terminalapp_presentation.pptx
@@ -9,6 +9,9 @@
     <p:sldId id="257" r:id="rId3"/>
     <p:sldId id="258" r:id="rId4"/>
     <p:sldId id="259" r:id="rId5"/>
+    <p:sldId id="260" r:id="rId6"/>
+    <p:sldId id="261" r:id="rId7"/>
+    <p:sldId id="262" r:id="rId8"/>
   </p:sldIdLst>
   <p:sldSz cx="9906000" cy="6858000" type="A4"/>
   <p:notesSz cx="6858000" cy="9144000"/>
@@ -3784,6 +3787,493 @@
 </p:sld>
 </file>
 
+<file path=ppt/slides/slide5.xml><?xml version="1.0" encoding="utf-8"?>
+<p:sld xmlns:a="http://schemas.openxmlformats.org/drawingml/2006/main" xmlns:r="http://schemas.openxmlformats.org/officeDocument/2006/relationships" xmlns:p="http://schemas.openxmlformats.org/presentationml/2006/main">
+  <p:cSld>
+    <p:spTree>
+      <p:nvGrpSpPr>
+        <p:cNvPr id="1" name=""/>
+        <p:cNvGrpSpPr/>
+        <p:nvPr/>
+      </p:nvGrpSpPr>
+      <p:grpSpPr>
+        <a:xfrm>
+          <a:off x="0" y="0"/>
+          <a:ext cx="0" cy="0"/>
+          <a:chOff x="0" y="0"/>
+          <a:chExt cx="0" cy="0"/>
+        </a:xfrm>
+      </p:grpSpPr>
+      <p:pic>
+        <p:nvPicPr>
+          <p:cNvPr id="4" name="Picture 3">
+            <a:extLst>
+              <a:ext uri="{FF2B5EF4-FFF2-40B4-BE49-F238E27FC236}">
+                <a16:creationId xmlns:a16="http://schemas.microsoft.com/office/drawing/2014/main" id="{83E5ABD8-8E9C-F745-A1AD-2C9FAEA04A50}"/>
+              </a:ext>
+            </a:extLst>
+          </p:cNvPr>
+          <p:cNvPicPr>
+            <a:picLocks noChangeAspect="1"/>
+          </p:cNvPicPr>
+          <p:nvPr/>
+        </p:nvPicPr>
+        <p:blipFill>
+          <a:blip r:embed="rId2"/>
+          <a:stretch>
+            <a:fillRect/>
+          </a:stretch>
+        </p:blipFill>
+        <p:spPr>
+          <a:xfrm>
+            <a:off x="1390650" y="361950"/>
+            <a:ext cx="7124700" cy="6134100"/>
+          </a:xfrm>
+          <a:prstGeom prst="rect">
+            <a:avLst/>
+          </a:prstGeom>
+        </p:spPr>
+      </p:pic>
+      <p:sp>
+        <p:nvSpPr>
+          <p:cNvPr id="5" name="TextBox 4">
+            <a:extLst>
+              <a:ext uri="{FF2B5EF4-FFF2-40B4-BE49-F238E27FC236}">
+                <a16:creationId xmlns:a16="http://schemas.microsoft.com/office/drawing/2014/main" id="{6701C3D2-5A1C-3542-89C9-CF010FE86D5C}"/>
+              </a:ext>
+            </a:extLst>
+          </p:cNvPr>
+          <p:cNvSpPr txBox="1"/>
+          <p:nvPr/>
+        </p:nvSpPr>
+        <p:spPr>
+          <a:xfrm>
+            <a:off x="6600092" y="361950"/>
+            <a:ext cx="2614246" cy="923330"/>
+          </a:xfrm>
+          <a:prstGeom prst="rect">
+            <a:avLst/>
+          </a:prstGeom>
+          <a:noFill/>
+        </p:spPr>
+        <p:txBody>
+          <a:bodyPr wrap="square" rtlCol="0">
+            <a:spAutoFit/>
+          </a:bodyPr>
+          <a:lstStyle/>
+          <a:p>
+            <a:r>
+              <a:rPr lang="en-US" dirty="0"/>
+              <a:t>View controller: while input is not equal to </a:t>
+            </a:r>
+            <a:r>
+              <a:rPr lang="en-US" dirty="0" err="1"/>
+              <a:t>ctrt_q</a:t>
+            </a:r>
+            <a:r>
+              <a:rPr lang="en-US" dirty="0"/>
+              <a:t> display GUI.</a:t>
+            </a:r>
+          </a:p>
+        </p:txBody>
+      </p:sp>
+    </p:spTree>
+    <p:extLst>
+      <p:ext uri="{BB962C8B-B14F-4D97-AF65-F5344CB8AC3E}">
+        <p14:creationId xmlns:p14="http://schemas.microsoft.com/office/powerpoint/2010/main" val="2497763159"/>
+      </p:ext>
+    </p:extLst>
+  </p:cSld>
+  <p:clrMapOvr>
+    <a:masterClrMapping/>
+  </p:clrMapOvr>
+</p:sld>
+</file>
+
+<file path=ppt/slides/slide6.xml><?xml version="1.0" encoding="utf-8"?>
+<p:sld xmlns:a="http://schemas.openxmlformats.org/drawingml/2006/main" xmlns:r="http://schemas.openxmlformats.org/officeDocument/2006/relationships" xmlns:p="http://schemas.openxmlformats.org/presentationml/2006/main">
+  <p:cSld>
+    <p:spTree>
+      <p:nvGrpSpPr>
+        <p:cNvPr id="1" name=""/>
+        <p:cNvGrpSpPr/>
+        <p:nvPr/>
+      </p:nvGrpSpPr>
+      <p:grpSpPr>
+        <a:xfrm>
+          <a:off x="0" y="0"/>
+          <a:ext cx="0" cy="0"/>
+          <a:chOff x="0" y="0"/>
+          <a:chExt cx="0" cy="0"/>
+        </a:xfrm>
+      </p:grpSpPr>
+      <p:sp>
+        <p:nvSpPr>
+          <p:cNvPr id="2" name="Rectangle 1">
+            <a:extLst>
+              <a:ext uri="{FF2B5EF4-FFF2-40B4-BE49-F238E27FC236}">
+                <a16:creationId xmlns:a16="http://schemas.microsoft.com/office/drawing/2014/main" id="{ECB5125B-B71E-6B42-8590-91A6D7C36BBB}"/>
+              </a:ext>
+            </a:extLst>
+          </p:cNvPr>
+          <p:cNvSpPr/>
+          <p:nvPr/>
+        </p:nvSpPr>
+        <p:spPr>
+          <a:xfrm>
+            <a:off x="0" y="0"/>
+            <a:ext cx="9906000" cy="1172308"/>
+          </a:xfrm>
+          <a:prstGeom prst="rect">
+            <a:avLst/>
+          </a:prstGeom>
+        </p:spPr>
+        <p:style>
+          <a:lnRef idx="2">
+            <a:schemeClr val="accent1">
+              <a:shade val="50000"/>
+            </a:schemeClr>
+          </a:lnRef>
+          <a:fillRef idx="1">
+            <a:schemeClr val="accent1"/>
+          </a:fillRef>
+          <a:effectRef idx="0">
+            <a:schemeClr val="accent1"/>
+          </a:effectRef>
+          <a:fontRef idx="minor">
+            <a:schemeClr val="lt1"/>
+          </a:fontRef>
+        </p:style>
+        <p:txBody>
+          <a:bodyPr rtlCol="0" anchor="ctr"/>
+          <a:lstStyle/>
+          <a:p>
+            <a:pPr algn="ctr"/>
+            <a:r>
+              <a:rPr lang="en-US" sz="2800" dirty="0"/>
+              <a:t>Difficulties faced/Satisfactory Moments/What have I learnt?</a:t>
+            </a:r>
+          </a:p>
+        </p:txBody>
+      </p:sp>
+      <p:sp>
+        <p:nvSpPr>
+          <p:cNvPr id="3" name="TextBox 2">
+            <a:extLst>
+              <a:ext uri="{FF2B5EF4-FFF2-40B4-BE49-F238E27FC236}">
+                <a16:creationId xmlns:a16="http://schemas.microsoft.com/office/drawing/2014/main" id="{5C654927-C557-614F-83D0-36F9D9D3FC69}"/>
+              </a:ext>
+            </a:extLst>
+          </p:cNvPr>
+          <p:cNvSpPr txBox="1"/>
+          <p:nvPr/>
+        </p:nvSpPr>
+        <p:spPr>
+          <a:xfrm>
+            <a:off x="1512277" y="1582616"/>
+            <a:ext cx="6201508" cy="369332"/>
+          </a:xfrm>
+          <a:prstGeom prst="rect">
+            <a:avLst/>
+          </a:prstGeom>
+          <a:noFill/>
+        </p:spPr>
+        <p:txBody>
+          <a:bodyPr wrap="square" rtlCol="0">
+            <a:spAutoFit/>
+          </a:bodyPr>
+          <a:lstStyle/>
+          <a:p>
+            <a:r>
+              <a:rPr lang="en-US" u="sng" dirty="0"/>
+              <a:t>Difficulties Faced</a:t>
+            </a:r>
+            <a:r>
+              <a:rPr lang="en-US" dirty="0"/>
+              <a:t> </a:t>
+            </a:r>
+          </a:p>
+        </p:txBody>
+      </p:sp>
+      <p:sp>
+        <p:nvSpPr>
+          <p:cNvPr id="5" name="TextBox 4">
+            <a:extLst>
+              <a:ext uri="{FF2B5EF4-FFF2-40B4-BE49-F238E27FC236}">
+                <a16:creationId xmlns:a16="http://schemas.microsoft.com/office/drawing/2014/main" id="{B2E7811F-116E-2747-BCB6-2066CA45BFFE}"/>
+              </a:ext>
+            </a:extLst>
+          </p:cNvPr>
+          <p:cNvSpPr txBox="1"/>
+          <p:nvPr/>
+        </p:nvSpPr>
+        <p:spPr>
+          <a:xfrm>
+            <a:off x="1184031" y="2145323"/>
+            <a:ext cx="7549661" cy="646331"/>
+          </a:xfrm>
+          <a:prstGeom prst="rect">
+            <a:avLst/>
+          </a:prstGeom>
+          <a:noFill/>
+        </p:spPr>
+        <p:txBody>
+          <a:bodyPr wrap="square" rtlCol="0">
+            <a:spAutoFit/>
+          </a:bodyPr>
+          <a:lstStyle/>
+          <a:p>
+            <a:pPr marL="285750" indent="-285750">
+              <a:buFontTx/>
+              <a:buChar char="-"/>
+            </a:pPr>
+            <a:r>
+              <a:rPr lang="en-US" dirty="0"/>
+              <a:t>Broken gem files, poorly documented repos</a:t>
+            </a:r>
+          </a:p>
+          <a:p>
+            <a:pPr marL="285750" indent="-285750">
+              <a:buFontTx/>
+              <a:buChar char="-"/>
+            </a:pPr>
+            <a:r>
+              <a:rPr lang="en-US" dirty="0"/>
+              <a:t>Poorly structured gems – requiring data abstraction to conform to DRY</a:t>
+            </a:r>
+          </a:p>
+        </p:txBody>
+      </p:sp>
+      <p:sp>
+        <p:nvSpPr>
+          <p:cNvPr id="7" name="TextBox 6">
+            <a:extLst>
+              <a:ext uri="{FF2B5EF4-FFF2-40B4-BE49-F238E27FC236}">
+                <a16:creationId xmlns:a16="http://schemas.microsoft.com/office/drawing/2014/main" id="{649C847E-AB1B-2646-AC3C-A176C822D1EA}"/>
+              </a:ext>
+            </a:extLst>
+          </p:cNvPr>
+          <p:cNvSpPr txBox="1"/>
+          <p:nvPr/>
+        </p:nvSpPr>
+        <p:spPr>
+          <a:xfrm>
+            <a:off x="1512277" y="3244334"/>
+            <a:ext cx="6201508" cy="369332"/>
+          </a:xfrm>
+          <a:prstGeom prst="rect">
+            <a:avLst/>
+          </a:prstGeom>
+          <a:noFill/>
+        </p:spPr>
+        <p:txBody>
+          <a:bodyPr wrap="square" rtlCol="0">
+            <a:spAutoFit/>
+          </a:bodyPr>
+          <a:lstStyle/>
+          <a:p>
+            <a:r>
+              <a:rPr lang="en-US" u="sng" dirty="0"/>
+              <a:t> Satisfactory Moments</a:t>
+            </a:r>
+            <a:r>
+              <a:rPr lang="en-US" dirty="0"/>
+              <a:t> </a:t>
+            </a:r>
+          </a:p>
+        </p:txBody>
+      </p:sp>
+      <p:sp>
+        <p:nvSpPr>
+          <p:cNvPr id="10" name="TextBox 9">
+            <a:extLst>
+              <a:ext uri="{FF2B5EF4-FFF2-40B4-BE49-F238E27FC236}">
+                <a16:creationId xmlns:a16="http://schemas.microsoft.com/office/drawing/2014/main" id="{167E0EEC-BD4D-5D4E-A765-0B5CF3A2F8E4}"/>
+              </a:ext>
+            </a:extLst>
+          </p:cNvPr>
+          <p:cNvSpPr txBox="1"/>
+          <p:nvPr/>
+        </p:nvSpPr>
+        <p:spPr>
+          <a:xfrm>
+            <a:off x="1178169" y="3880338"/>
+            <a:ext cx="7549661" cy="1200329"/>
+          </a:xfrm>
+          <a:prstGeom prst="rect">
+            <a:avLst/>
+          </a:prstGeom>
+          <a:noFill/>
+        </p:spPr>
+        <p:txBody>
+          <a:bodyPr wrap="square" rtlCol="0">
+            <a:spAutoFit/>
+          </a:bodyPr>
+          <a:lstStyle/>
+          <a:p>
+            <a:pPr marL="285750" indent="-285750">
+              <a:buFontTx/>
+              <a:buChar char="-"/>
+            </a:pPr>
+            <a:r>
+              <a:rPr lang="en-US" dirty="0"/>
+              <a:t>Getting it running</a:t>
+            </a:r>
+          </a:p>
+          <a:p>
+            <a:pPr marL="285750" indent="-285750">
+              <a:buFontTx/>
+              <a:buChar char="-"/>
+            </a:pPr>
+            <a:r>
+              <a:rPr lang="en-US" dirty="0"/>
+              <a:t>Seeing green when running a test</a:t>
+            </a:r>
+          </a:p>
+          <a:p>
+            <a:pPr marL="285750" indent="-285750">
+              <a:buFontTx/>
+              <a:buChar char="-"/>
+            </a:pPr>
+            <a:endParaRPr lang="en-US" dirty="0"/>
+          </a:p>
+          <a:p>
+            <a:pPr marL="285750" indent="-285750">
+              <a:buFontTx/>
+              <a:buChar char="-"/>
+            </a:pPr>
+            <a:endParaRPr lang="en-US" dirty="0"/>
+          </a:p>
+        </p:txBody>
+      </p:sp>
+      <p:sp>
+        <p:nvSpPr>
+          <p:cNvPr id="11" name="TextBox 10">
+            <a:extLst>
+              <a:ext uri="{FF2B5EF4-FFF2-40B4-BE49-F238E27FC236}">
+                <a16:creationId xmlns:a16="http://schemas.microsoft.com/office/drawing/2014/main" id="{CCD89591-8198-B84C-BEA5-5FAE0A2EB07B}"/>
+              </a:ext>
+            </a:extLst>
+          </p:cNvPr>
+          <p:cNvSpPr txBox="1"/>
+          <p:nvPr/>
+        </p:nvSpPr>
+        <p:spPr>
+          <a:xfrm>
+            <a:off x="1512277" y="4978007"/>
+            <a:ext cx="6201508" cy="369332"/>
+          </a:xfrm>
+          <a:prstGeom prst="rect">
+            <a:avLst/>
+          </a:prstGeom>
+          <a:noFill/>
+        </p:spPr>
+        <p:txBody>
+          <a:bodyPr wrap="square" rtlCol="0">
+            <a:spAutoFit/>
+          </a:bodyPr>
+          <a:lstStyle/>
+          <a:p>
+            <a:r>
+              <a:rPr lang="en-US" u="sng" dirty="0"/>
+              <a:t>What have I learnt</a:t>
+            </a:r>
+            <a:r>
+              <a:rPr lang="en-US" dirty="0"/>
+              <a:t> </a:t>
+            </a:r>
+          </a:p>
+        </p:txBody>
+      </p:sp>
+      <p:sp>
+        <p:nvSpPr>
+          <p:cNvPr id="14" name="TextBox 13">
+            <a:extLst>
+              <a:ext uri="{FF2B5EF4-FFF2-40B4-BE49-F238E27FC236}">
+                <a16:creationId xmlns:a16="http://schemas.microsoft.com/office/drawing/2014/main" id="{C67755F7-AE81-214B-9698-779353410520}"/>
+              </a:ext>
+            </a:extLst>
+          </p:cNvPr>
+          <p:cNvSpPr txBox="1"/>
+          <p:nvPr/>
+        </p:nvSpPr>
+        <p:spPr>
+          <a:xfrm>
+            <a:off x="1271953" y="5499684"/>
+            <a:ext cx="7549661" cy="646331"/>
+          </a:xfrm>
+          <a:prstGeom prst="rect">
+            <a:avLst/>
+          </a:prstGeom>
+          <a:noFill/>
+        </p:spPr>
+        <p:txBody>
+          <a:bodyPr wrap="square" rtlCol="0">
+            <a:spAutoFit/>
+          </a:bodyPr>
+          <a:lstStyle/>
+          <a:p>
+            <a:pPr marL="285750" indent="-285750">
+              <a:buFontTx/>
+              <a:buChar char="-"/>
+            </a:pPr>
+            <a:r>
+              <a:rPr lang="en-US" dirty="0"/>
+              <a:t>Absolutely every detail of the UI has to be described, in painstaking detail.</a:t>
+            </a:r>
+          </a:p>
+          <a:p>
+            <a:pPr marL="285750" indent="-285750">
+              <a:buFontTx/>
+              <a:buChar char="-"/>
+            </a:pPr>
+            <a:endParaRPr lang="en-US" dirty="0"/>
+          </a:p>
+        </p:txBody>
+      </p:sp>
+    </p:spTree>
+    <p:extLst>
+      <p:ext uri="{BB962C8B-B14F-4D97-AF65-F5344CB8AC3E}">
+        <p14:creationId xmlns:p14="http://schemas.microsoft.com/office/powerpoint/2010/main" val="1432619533"/>
+      </p:ext>
+    </p:extLst>
+  </p:cSld>
+  <p:clrMapOvr>
+    <a:masterClrMapping/>
+  </p:clrMapOvr>
+</p:sld>
+</file>
+
+<file path=ppt/slides/slide7.xml><?xml version="1.0" encoding="utf-8"?>
+<p:sld xmlns:a="http://schemas.openxmlformats.org/drawingml/2006/main" xmlns:r="http://schemas.openxmlformats.org/officeDocument/2006/relationships" xmlns:p="http://schemas.openxmlformats.org/presentationml/2006/main">
+  <p:cSld>
+    <p:spTree>
+      <p:nvGrpSpPr>
+        <p:cNvPr id="1" name=""/>
+        <p:cNvGrpSpPr/>
+        <p:nvPr/>
+      </p:nvGrpSpPr>
+      <p:grpSpPr>
+        <a:xfrm>
+          <a:off x="0" y="0"/>
+          <a:ext cx="0" cy="0"/>
+          <a:chOff x="0" y="0"/>
+          <a:chExt cx="0" cy="0"/>
+        </a:xfrm>
+      </p:grpSpPr>
+    </p:spTree>
+    <p:extLst>
+      <p:ext uri="{BB962C8B-B14F-4D97-AF65-F5344CB8AC3E}">
+        <p14:creationId xmlns:p14="http://schemas.microsoft.com/office/powerpoint/2010/main" val="1433773650"/>
+      </p:ext>
+    </p:extLst>
+  </p:cSld>
+  <p:clrMapOvr>
+    <a:masterClrMapping/>
+  </p:clrMapOvr>
+</p:sld>
+</file>
+
 <file path=ppt/theme/theme1.xml><?xml version="1.0" encoding="utf-8"?>
 <a:theme xmlns:a="http://schemas.openxmlformats.org/drawingml/2006/main" name="Office Theme">
   <a:themeElements>
